--- a/week2/PLA.pptx
+++ b/week2/PLA.pptx
@@ -242,7 +242,7 @@
           <a:p>
             <a:fld id="{A4FC0D3C-9D97-48B3-A8BD-2F8412874814}" type="datetimeFigureOut">
               <a:rPr lang="zh-TW" altLang="en-US" smtClean="0"/>
-              <a:t>2017/9/18</a:t>
+              <a:t>2017/9/22</a:t>
             </a:fld>
             <a:endParaRPr lang="zh-TW" altLang="en-US"/>
           </a:p>
@@ -640,7 +640,7 @@
           <a:p>
             <a:fld id="{F42DB1B2-B2BD-4E0F-92D8-71067FCAE6E8}" type="datetimeFigureOut">
               <a:rPr lang="zh-TW" altLang="en-US" smtClean="0"/>
-              <a:t>2017/9/18</a:t>
+              <a:t>2017/9/22</a:t>
             </a:fld>
             <a:endParaRPr lang="zh-TW" altLang="en-US"/>
           </a:p>
@@ -810,7 +810,7 @@
           <a:p>
             <a:fld id="{F42DB1B2-B2BD-4E0F-92D8-71067FCAE6E8}" type="datetimeFigureOut">
               <a:rPr lang="zh-TW" altLang="en-US" smtClean="0"/>
-              <a:t>2017/9/18</a:t>
+              <a:t>2017/9/22</a:t>
             </a:fld>
             <a:endParaRPr lang="zh-TW" altLang="en-US"/>
           </a:p>
@@ -990,7 +990,7 @@
           <a:p>
             <a:fld id="{F42DB1B2-B2BD-4E0F-92D8-71067FCAE6E8}" type="datetimeFigureOut">
               <a:rPr lang="zh-TW" altLang="en-US" smtClean="0"/>
-              <a:t>2017/9/18</a:t>
+              <a:t>2017/9/22</a:t>
             </a:fld>
             <a:endParaRPr lang="zh-TW" altLang="en-US"/>
           </a:p>
@@ -1160,7 +1160,7 @@
           <a:p>
             <a:fld id="{F42DB1B2-B2BD-4E0F-92D8-71067FCAE6E8}" type="datetimeFigureOut">
               <a:rPr lang="zh-TW" altLang="en-US" smtClean="0"/>
-              <a:t>2017/9/18</a:t>
+              <a:t>2017/9/22</a:t>
             </a:fld>
             <a:endParaRPr lang="zh-TW" altLang="en-US"/>
           </a:p>
@@ -1404,7 +1404,7 @@
           <a:p>
             <a:fld id="{F42DB1B2-B2BD-4E0F-92D8-71067FCAE6E8}" type="datetimeFigureOut">
               <a:rPr lang="zh-TW" altLang="en-US" smtClean="0"/>
-              <a:t>2017/9/18</a:t>
+              <a:t>2017/9/22</a:t>
             </a:fld>
             <a:endParaRPr lang="zh-TW" altLang="en-US"/>
           </a:p>
@@ -1636,7 +1636,7 @@
           <a:p>
             <a:fld id="{F42DB1B2-B2BD-4E0F-92D8-71067FCAE6E8}" type="datetimeFigureOut">
               <a:rPr lang="zh-TW" altLang="en-US" smtClean="0"/>
-              <a:t>2017/9/18</a:t>
+              <a:t>2017/9/22</a:t>
             </a:fld>
             <a:endParaRPr lang="zh-TW" altLang="en-US"/>
           </a:p>
@@ -2003,7 +2003,7 @@
           <a:p>
             <a:fld id="{F42DB1B2-B2BD-4E0F-92D8-71067FCAE6E8}" type="datetimeFigureOut">
               <a:rPr lang="zh-TW" altLang="en-US" smtClean="0"/>
-              <a:t>2017/9/18</a:t>
+              <a:t>2017/9/22</a:t>
             </a:fld>
             <a:endParaRPr lang="zh-TW" altLang="en-US"/>
           </a:p>
@@ -2121,7 +2121,7 @@
           <a:p>
             <a:fld id="{F42DB1B2-B2BD-4E0F-92D8-71067FCAE6E8}" type="datetimeFigureOut">
               <a:rPr lang="zh-TW" altLang="en-US" smtClean="0"/>
-              <a:t>2017/9/18</a:t>
+              <a:t>2017/9/22</a:t>
             </a:fld>
             <a:endParaRPr lang="zh-TW" altLang="en-US"/>
           </a:p>
@@ -2216,7 +2216,7 @@
           <a:p>
             <a:fld id="{F42DB1B2-B2BD-4E0F-92D8-71067FCAE6E8}" type="datetimeFigureOut">
               <a:rPr lang="zh-TW" altLang="en-US" smtClean="0"/>
-              <a:t>2017/9/18</a:t>
+              <a:t>2017/9/22</a:t>
             </a:fld>
             <a:endParaRPr lang="zh-TW" altLang="en-US"/>
           </a:p>
@@ -2493,7 +2493,7 @@
           <a:p>
             <a:fld id="{F42DB1B2-B2BD-4E0F-92D8-71067FCAE6E8}" type="datetimeFigureOut">
               <a:rPr lang="zh-TW" altLang="en-US" smtClean="0"/>
-              <a:t>2017/9/18</a:t>
+              <a:t>2017/9/22</a:t>
             </a:fld>
             <a:endParaRPr lang="zh-TW" altLang="en-US"/>
           </a:p>
@@ -2750,7 +2750,7 @@
           <a:p>
             <a:fld id="{F42DB1B2-B2BD-4E0F-92D8-71067FCAE6E8}" type="datetimeFigureOut">
               <a:rPr lang="zh-TW" altLang="en-US" smtClean="0"/>
-              <a:t>2017/9/18</a:t>
+              <a:t>2017/9/22</a:t>
             </a:fld>
             <a:endParaRPr lang="zh-TW" altLang="en-US"/>
           </a:p>
@@ -2963,7 +2963,7 @@
           <a:p>
             <a:fld id="{F42DB1B2-B2BD-4E0F-92D8-71067FCAE6E8}" type="datetimeFigureOut">
               <a:rPr lang="zh-TW" altLang="en-US" smtClean="0"/>
-              <a:t>2017/9/18</a:t>
+              <a:t>2017/9/22</a:t>
             </a:fld>
             <a:endParaRPr lang="zh-TW" altLang="en-US"/>
           </a:p>
@@ -3537,7 +3537,15 @@
           <a:p>
             <a:r>
               <a:rPr lang="en-US" dirty="0"/>
-              <a:t>Use weight factor to represent the importance</a:t>
+              <a:t>Use weight </a:t>
+            </a:r>
+            <a:r>
+              <a:rPr lang="en-US" b="1" dirty="0"/>
+              <a:t>w</a:t>
+            </a:r>
+            <a:r>
+              <a:rPr lang="en-US" dirty="0"/>
+              <a:t> to represent the importance</a:t>
             </a:r>
           </a:p>
           <a:p>
@@ -7547,63 +7555,6 @@
       </p:sp>
       <p:graphicFrame>
         <p:nvGraphicFramePr>
-          <p:cNvPr id="30" name="Table 29">
-            <a:extLst>
-              <a:ext uri="{FF2B5EF4-FFF2-40B4-BE49-F238E27FC236}">
-                <a16:creationId xmlns:a16="http://schemas.microsoft.com/office/drawing/2014/main" id="{D32658BD-687B-4566-A012-6ED1064545F8}"/>
-              </a:ext>
-            </a:extLst>
-          </p:cNvPr>
-          <p:cNvGraphicFramePr>
-            <a:graphicFrameLocks noGrp="1"/>
-          </p:cNvGraphicFramePr>
-          <p:nvPr/>
-        </p:nvGraphicFramePr>
-        <p:xfrm>
-          <a:off x="395493" y="1458262"/>
-          <a:ext cx="2034209" cy="640080"/>
-        </p:xfrm>
-        <a:graphic>
-          <a:graphicData uri="http://schemas.openxmlformats.org/drawingml/2006/table">
-            <a:tbl>
-              <a:tblPr bandRow="1">
-                <a:tableStyleId>{5C22544A-7EE6-4342-B048-85BDC9FD1C3A}</a:tableStyleId>
-              </a:tblPr>
-              <a:tblGrid>
-                <a:gridCol w="2034209">
-                  <a:extLst>
-                    <a:ext uri="{9D8B030D-6E8A-4147-A177-3AD203B41FA5}">
-                      <a16:colId xmlns:a16="http://schemas.microsoft.com/office/drawing/2014/main" val="249696445"/>
-                    </a:ext>
-                  </a:extLst>
-                </a:gridCol>
-              </a:tblGrid>
-              <a:tr h="374350">
-                <a:tc>
-                  <a:txBody>
-                    <a:bodyPr/>
-                    <a:lstStyle/>
-                    <a:p>
-                      <a:r>
-                        <a:rPr lang="en-US" dirty="0"/>
-                        <a:t>Can I date someone on this Saturday?</a:t>
-                      </a:r>
-                    </a:p>
-                  </a:txBody>
-                  <a:tcPr/>
-                </a:tc>
-                <a:extLst>
-                  <a:ext uri="{0D108BD9-81ED-4DB2-BD59-A6C34878D82A}">
-                    <a16:rowId xmlns:a16="http://schemas.microsoft.com/office/drawing/2014/main" val="3150496438"/>
-                  </a:ext>
-                </a:extLst>
-              </a:tr>
-            </a:tbl>
-          </a:graphicData>
-        </a:graphic>
-      </p:graphicFrame>
-      <p:graphicFrame>
-        <p:nvGraphicFramePr>
           <p:cNvPr id="15" name="Table 14">
             <a:extLst>
               <a:ext uri="{FF2B5EF4-FFF2-40B4-BE49-F238E27FC236}">
@@ -7891,6 +7842,69 @@
           </a:p>
         </p:txBody>
       </p:sp>
+      <p:graphicFrame>
+        <p:nvGraphicFramePr>
+          <p:cNvPr id="22" name="Table 21">
+            <a:extLst>
+              <a:ext uri="{FF2B5EF4-FFF2-40B4-BE49-F238E27FC236}">
+                <a16:creationId xmlns:a16="http://schemas.microsoft.com/office/drawing/2014/main" id="{351946BF-2BDF-404E-81AD-0BCD7BAA5FFA}"/>
+              </a:ext>
+            </a:extLst>
+          </p:cNvPr>
+          <p:cNvGraphicFramePr>
+            <a:graphicFrameLocks noGrp="1"/>
+          </p:cNvGraphicFramePr>
+          <p:nvPr>
+            <p:extLst>
+              <p:ext uri="{D42A27DB-BD31-4B8C-83A1-F6EECF244321}">
+                <p14:modId xmlns:p14="http://schemas.microsoft.com/office/powerpoint/2010/main" val="2964513287"/>
+              </p:ext>
+            </p:extLst>
+          </p:nvPr>
+        </p:nvGraphicFramePr>
+        <p:xfrm>
+          <a:off x="206650" y="1292723"/>
+          <a:ext cx="2034209" cy="914400"/>
+        </p:xfrm>
+        <a:graphic>
+          <a:graphicData uri="http://schemas.openxmlformats.org/drawingml/2006/table">
+            <a:tbl>
+              <a:tblPr bandRow="1">
+                <a:tableStyleId>{5C22544A-7EE6-4342-B048-85BDC9FD1C3A}</a:tableStyleId>
+              </a:tblPr>
+              <a:tblGrid>
+                <a:gridCol w="2034209">
+                  <a:extLst>
+                    <a:ext uri="{9D8B030D-6E8A-4147-A177-3AD203B41FA5}">
+                      <a16:colId xmlns:a16="http://schemas.microsoft.com/office/drawing/2014/main" val="249696445"/>
+                    </a:ext>
+                  </a:extLst>
+                </a:gridCol>
+              </a:tblGrid>
+              <a:tr h="374350">
+                <a:tc>
+                  <a:txBody>
+                    <a:bodyPr/>
+                    <a:lstStyle/>
+                    <a:p>
+                      <a:r>
+                        <a:rPr lang="en-US" dirty="0"/>
+                        <a:t>Can I go with someone on this Saturday?</a:t>
+                      </a:r>
+                    </a:p>
+                  </a:txBody>
+                  <a:tcPr/>
+                </a:tc>
+                <a:extLst>
+                  <a:ext uri="{0D108BD9-81ED-4DB2-BD59-A6C34878D82A}">
+                    <a16:rowId xmlns:a16="http://schemas.microsoft.com/office/drawing/2014/main" val="3150496438"/>
+                  </a:ext>
+                </a:extLst>
+              </a:tr>
+            </a:tbl>
+          </a:graphicData>
+        </a:graphic>
+      </p:graphicFrame>
     </p:spTree>
     <p:extLst>
       <p:ext uri="{BB962C8B-B14F-4D97-AF65-F5344CB8AC3E}">
@@ -11530,7 +11544,7 @@
           <a:graphicData uri="http://schemas.openxmlformats.org/presentationml/2006/ole">
             <mc:AlternateContent xmlns:mc="http://schemas.openxmlformats.org/markup-compatibility/2006">
               <mc:Choice xmlns:v="urn:schemas-microsoft-com:vml" Requires="v">
-                <p:oleObj spid="_x0000_s1035" name="Graph" r:id="rId3" imgW="4023360" imgH="3108960" progId="Origin50.Graph">
+                <p:oleObj spid="_x0000_s1040" name="Graph" r:id="rId3" imgW="4023360" imgH="3108960" progId="Origin50.Graph">
                   <p:embed/>
                 </p:oleObj>
               </mc:Choice>
@@ -12383,7 +12397,7 @@
           <a:graphicData uri="http://schemas.openxmlformats.org/presentationml/2006/ole">
             <mc:AlternateContent xmlns:mc="http://schemas.openxmlformats.org/markup-compatibility/2006">
               <mc:Choice xmlns:v="urn:schemas-microsoft-com:vml" Requires="v">
-                <p:oleObj spid="_x0000_s2058" name="Graph" r:id="rId4" imgW="4023360" imgH="3108960" progId="Origin50.Graph">
+                <p:oleObj spid="_x0000_s2063" name="Graph" r:id="rId4" imgW="4023360" imgH="3108960" progId="Origin50.Graph">
                   <p:embed/>
                 </p:oleObj>
               </mc:Choice>
@@ -12863,12 +12877,22 @@
         </p:nvSpPr>
         <p:spPr/>
         <p:txBody>
-          <a:bodyPr/>
+          <a:bodyPr>
+            <a:normAutofit lnSpcReduction="10000"/>
+          </a:bodyPr>
           <a:lstStyle/>
           <a:p>
             <a:r>
               <a:rPr lang="en-US" dirty="0"/>
-              <a:t>Your first Machine Learning </a:t>
+              <a:t>Your first </a:t>
+            </a:r>
+            <a:r>
+              <a:rPr lang="en-US" altLang="zh-CN" b="1" dirty="0"/>
+              <a:t>supervised</a:t>
+            </a:r>
+            <a:r>
+              <a:rPr lang="en-US" dirty="0"/>
+              <a:t> Machine Learning </a:t>
             </a:r>
             <a:r>
               <a:rPr lang="en-US" altLang="zh-CN" dirty="0"/>
@@ -12880,12 +12904,24 @@
             </a:r>
           </a:p>
           <a:p>
-            <a:endParaRPr lang="en-US" dirty="0"/>
-          </a:p>
-          <a:p>
+            <a:pPr marL="0" indent="0" algn="ctr">
+              <a:buNone/>
+            </a:pPr>
+            <a:r>
+              <a:rPr lang="en-US" i="1" dirty="0"/>
+              <a:t>f</a:t>
+            </a:r>
             <a:r>
               <a:rPr lang="en-US" dirty="0"/>
-              <a:t>Objective:</a:t>
+              <a:t>(</a:t>
+            </a:r>
+            <a:r>
+              <a:rPr lang="en-US" b="1" dirty="0"/>
+              <a:t>X</a:t>
+            </a:r>
+            <a:r>
+              <a:rPr lang="en-US" dirty="0"/>
+              <a:t>) = yes/no</a:t>
             </a:r>
           </a:p>
           <a:p>
@@ -12894,16 +12930,46 @@
             </a:pPr>
             <a:r>
               <a:rPr lang="en-US" dirty="0"/>
-              <a:t>        - Understand how to apply PLA in binary classification problem</a:t>
+              <a:t>for linear separable data</a:t>
             </a:r>
           </a:p>
           <a:p>
             <a:pPr marL="0" indent="0">
               <a:buNone/>
             </a:pPr>
+            <a:endParaRPr lang="en-US" dirty="0"/>
+          </a:p>
+          <a:p>
+            <a:r>
+              <a:rPr lang="en-US" dirty="0"/>
+              <a:t>Objective:</a:t>
+            </a:r>
+          </a:p>
+          <a:p>
+            <a:pPr marL="0" indent="0">
+              <a:buNone/>
+            </a:pPr>
+            <a:r>
+              <a:rPr lang="en-US" dirty="0"/>
+              <a:t>        - Be able to apply PLA in binary classification problem</a:t>
+            </a:r>
+          </a:p>
+          <a:p>
+            <a:pPr marL="0" indent="0">
+              <a:buNone/>
+            </a:pPr>
             <a:r>
               <a:rPr lang="en-US" dirty="0"/>
               <a:t>        - Why PLA works</a:t>
+            </a:r>
+          </a:p>
+          <a:p>
+            <a:pPr marL="0" indent="0">
+              <a:buNone/>
+            </a:pPr>
+            <a:r>
+              <a:rPr lang="en-US" dirty="0"/>
+              <a:t>        - Pocket PLA</a:t>
             </a:r>
           </a:p>
           <a:p>
@@ -12969,7 +13035,7 @@
           <a:graphicData uri="http://schemas.openxmlformats.org/presentationml/2006/ole">
             <mc:AlternateContent xmlns:mc="http://schemas.openxmlformats.org/markup-compatibility/2006">
               <mc:Choice xmlns:v="urn:schemas-microsoft-com:vml" Requires="v">
-                <p:oleObj spid="_x0000_s3082" name="Graph" r:id="rId3" imgW="4023360" imgH="3108960" progId="Origin50.Graph">
+                <p:oleObj spid="_x0000_s3087" name="Graph" r:id="rId3" imgW="4023360" imgH="3108960" progId="Origin50.Graph">
                   <p:embed/>
                 </p:oleObj>
               </mc:Choice>
@@ -13803,7 +13869,7 @@
           <a:graphicData uri="http://schemas.openxmlformats.org/presentationml/2006/ole">
             <mc:AlternateContent xmlns:mc="http://schemas.openxmlformats.org/markup-compatibility/2006">
               <mc:Choice xmlns:v="urn:schemas-microsoft-com:vml" Requires="v">
-                <p:oleObj spid="_x0000_s4106" name="Graph" r:id="rId3" imgW="4023360" imgH="3108960" progId="Origin50.Graph">
+                <p:oleObj spid="_x0000_s4111" name="Graph" r:id="rId3" imgW="4023360" imgH="3108960" progId="Origin50.Graph">
                   <p:embed/>
                 </p:oleObj>
               </mc:Choice>
@@ -14631,7 +14697,7 @@
           <a:graphicData uri="http://schemas.openxmlformats.org/presentationml/2006/ole">
             <mc:AlternateContent xmlns:mc="http://schemas.openxmlformats.org/markup-compatibility/2006">
               <mc:Choice xmlns:v="urn:schemas-microsoft-com:vml" Requires="v">
-                <p:oleObj spid="_x0000_s5130" name="Graph" r:id="rId3" imgW="4023360" imgH="3108960" progId="Origin50.Graph">
+                <p:oleObj spid="_x0000_s5135" name="Graph" r:id="rId3" imgW="4023360" imgH="3108960" progId="Origin50.Graph">
                   <p:embed/>
                 </p:oleObj>
               </mc:Choice>
@@ -18640,7 +18706,7 @@
           <a:graphicData uri="http://schemas.openxmlformats.org/presentationml/2006/ole">
             <mc:AlternateContent xmlns:mc="http://schemas.openxmlformats.org/markup-compatibility/2006">
               <mc:Choice xmlns:v="urn:schemas-microsoft-com:vml" Requires="v">
-                <p:oleObj spid="_x0000_s7170" name="Graph" r:id="rId3" imgW="4023360" imgH="3108960" progId="Origin50.Graph">
+                <p:oleObj spid="_x0000_s7175" name="Graph" r:id="rId3" imgW="4023360" imgH="3108960" progId="Origin50.Graph">
                   <p:embed/>
                 </p:oleObj>
               </mc:Choice>
@@ -18802,70 +18868,457 @@
           <a:p>
             <a:r>
               <a:rPr lang="en-US" dirty="0"/>
-              <a:t>Like a bear picking corns: find the best one!</a:t>
-            </a:r>
-          </a:p>
-          <a:p>
-            <a:r>
-              <a:rPr lang="en-US" dirty="0"/>
-              <a:t>Run PLA for t iterations: remember the minimum amount of error </a:t>
-            </a:r>
-          </a:p>
-          <a:p>
-            <a:r>
-              <a:rPr lang="en-US" dirty="0"/>
-              <a:t>Repeat the procedure k times: choose the hyperplane with smallest error!</a:t>
+              <a:t>Find the best one!</a:t>
             </a:r>
           </a:p>
         </p:txBody>
       </p:sp>
-      <p:pic>
-        <p:nvPicPr>
-          <p:cNvPr id="6146" name="Picture 2" descr="Image result for 狗熊掰棒子">
+      <p:sp>
+        <p:nvSpPr>
+          <p:cNvPr id="4" name="Rectangle 3">
             <a:extLst>
               <a:ext uri="{FF2B5EF4-FFF2-40B4-BE49-F238E27FC236}">
-                <a16:creationId xmlns:a16="http://schemas.microsoft.com/office/drawing/2014/main" id="{5CC6BA25-B5DB-46BF-9009-0ED4B6916149}"/>
+                <a16:creationId xmlns:a16="http://schemas.microsoft.com/office/drawing/2014/main" id="{BE037F70-8419-42CF-80EB-DCE8F152656A}"/>
               </a:ext>
             </a:extLst>
           </p:cNvPr>
-          <p:cNvPicPr>
-            <a:picLocks noChangeAspect="1" noChangeArrowheads="1"/>
-          </p:cNvPicPr>
+          <p:cNvSpPr/>
           <p:nvPr/>
-        </p:nvPicPr>
-        <p:blipFill>
-          <a:blip r:embed="rId2">
-            <a:extLst>
-              <a:ext uri="{28A0092B-C50C-407E-A947-70E740481C1C}">
-                <a14:useLocalDpi xmlns:a14="http://schemas.microsoft.com/office/drawing/2010/main" val="0"/>
-              </a:ext>
-            </a:extLst>
-          </a:blip>
-          <a:srcRect/>
-          <a:stretch>
-            <a:fillRect/>
-          </a:stretch>
-        </p:blipFill>
-        <p:spPr bwMode="auto">
+        </p:nvSpPr>
+        <p:spPr>
           <a:xfrm>
-            <a:off x="628650" y="4036335"/>
-            <a:ext cx="3792606" cy="2275564"/>
+            <a:off x="3240157" y="2613991"/>
+            <a:ext cx="2146852" cy="705678"/>
           </a:xfrm>
           <a:prstGeom prst="rect">
             <a:avLst/>
           </a:prstGeom>
-          <a:noFill/>
-          <a:extLst>
-            <a:ext uri="{909E8E84-426E-40DD-AFC4-6F175D3DCCD1}">
-              <a14:hiddenFill xmlns:a14="http://schemas.microsoft.com/office/drawing/2010/main">
-                <a:solidFill>
-                  <a:srgbClr val="FFFFFF"/>
-                </a:solidFill>
-              </a14:hiddenFill>
-            </a:ext>
-          </a:extLst>
         </p:spPr>
-      </p:pic>
+        <p:style>
+          <a:lnRef idx="2">
+            <a:schemeClr val="accent1">
+              <a:shade val="50000"/>
+            </a:schemeClr>
+          </a:lnRef>
+          <a:fillRef idx="1">
+            <a:schemeClr val="accent1"/>
+          </a:fillRef>
+          <a:effectRef idx="0">
+            <a:schemeClr val="accent1"/>
+          </a:effectRef>
+          <a:fontRef idx="minor">
+            <a:schemeClr val="lt1"/>
+          </a:fontRef>
+        </p:style>
+        <p:txBody>
+          <a:bodyPr rtlCol="0" anchor="ctr"/>
+          <a:lstStyle/>
+          <a:p>
+            <a:pPr algn="ctr"/>
+            <a:r>
+              <a:rPr lang="en-US" dirty="0"/>
+              <a:t>Training data</a:t>
+            </a:r>
+          </a:p>
+          <a:p>
+            <a:pPr algn="ctr"/>
+            <a:r>
+              <a:rPr lang="en-US" b="1" dirty="0"/>
+              <a:t>X, y</a:t>
+            </a:r>
+          </a:p>
+        </p:txBody>
+      </p:sp>
+      <p:sp>
+        <p:nvSpPr>
+          <p:cNvPr id="5" name="Rectangle 4">
+            <a:extLst>
+              <a:ext uri="{FF2B5EF4-FFF2-40B4-BE49-F238E27FC236}">
+                <a16:creationId xmlns:a16="http://schemas.microsoft.com/office/drawing/2014/main" id="{B20FD727-E512-4553-B261-467DD0DC1565}"/>
+              </a:ext>
+            </a:extLst>
+          </p:cNvPr>
+          <p:cNvSpPr/>
+          <p:nvPr/>
+        </p:nvSpPr>
+        <p:spPr>
+          <a:xfrm>
+            <a:off x="3240157" y="3643485"/>
+            <a:ext cx="2146852" cy="715617"/>
+          </a:xfrm>
+          <a:prstGeom prst="rect">
+            <a:avLst/>
+          </a:prstGeom>
+        </p:spPr>
+        <p:style>
+          <a:lnRef idx="2">
+            <a:schemeClr val="accent1">
+              <a:shade val="50000"/>
+            </a:schemeClr>
+          </a:lnRef>
+          <a:fillRef idx="1">
+            <a:schemeClr val="accent1"/>
+          </a:fillRef>
+          <a:effectRef idx="0">
+            <a:schemeClr val="accent1"/>
+          </a:effectRef>
+          <a:fontRef idx="minor">
+            <a:schemeClr val="lt1"/>
+          </a:fontRef>
+        </p:style>
+        <p:txBody>
+          <a:bodyPr rtlCol="0" anchor="ctr"/>
+          <a:lstStyle/>
+          <a:p>
+            <a:pPr algn="ctr"/>
+            <a:r>
+              <a:rPr lang="en-US" dirty="0"/>
+              <a:t>Run PLA for k times</a:t>
+            </a:r>
+          </a:p>
+        </p:txBody>
+      </p:sp>
+      <p:sp>
+        <p:nvSpPr>
+          <p:cNvPr id="6" name="Rectangle 5">
+            <a:extLst>
+              <a:ext uri="{FF2B5EF4-FFF2-40B4-BE49-F238E27FC236}">
+                <a16:creationId xmlns:a16="http://schemas.microsoft.com/office/drawing/2014/main" id="{D15663EB-CE81-42B0-A5F6-9F3A16924D7A}"/>
+              </a:ext>
+            </a:extLst>
+          </p:cNvPr>
+          <p:cNvSpPr/>
+          <p:nvPr/>
+        </p:nvSpPr>
+        <p:spPr>
+          <a:xfrm>
+            <a:off x="3240157" y="4682918"/>
+            <a:ext cx="2146852" cy="690563"/>
+          </a:xfrm>
+          <a:prstGeom prst="rect">
+            <a:avLst/>
+          </a:prstGeom>
+        </p:spPr>
+        <p:style>
+          <a:lnRef idx="2">
+            <a:schemeClr val="accent1">
+              <a:shade val="50000"/>
+            </a:schemeClr>
+          </a:lnRef>
+          <a:fillRef idx="1">
+            <a:schemeClr val="accent1"/>
+          </a:fillRef>
+          <a:effectRef idx="0">
+            <a:schemeClr val="accent1"/>
+          </a:effectRef>
+          <a:fontRef idx="minor">
+            <a:schemeClr val="lt1"/>
+          </a:fontRef>
+        </p:style>
+        <p:txBody>
+          <a:bodyPr rtlCol="0" anchor="ctr"/>
+          <a:lstStyle/>
+          <a:p>
+            <a:pPr algn="ctr"/>
+            <a:r>
+              <a:rPr lang="en-US" dirty="0"/>
+              <a:t>Remember the error</a:t>
+            </a:r>
+          </a:p>
+        </p:txBody>
+      </p:sp>
+      <p:cxnSp>
+        <p:nvCxnSpPr>
+          <p:cNvPr id="8" name="Straight Arrow Connector 7">
+            <a:extLst>
+              <a:ext uri="{FF2B5EF4-FFF2-40B4-BE49-F238E27FC236}">
+                <a16:creationId xmlns:a16="http://schemas.microsoft.com/office/drawing/2014/main" id="{DEC27A72-E531-4840-924E-6BDB8AF5BA12}"/>
+              </a:ext>
+            </a:extLst>
+          </p:cNvPr>
+          <p:cNvCxnSpPr>
+            <a:stCxn id="4" idx="2"/>
+            <a:endCxn id="5" idx="0"/>
+          </p:cNvCxnSpPr>
+          <p:nvPr/>
+        </p:nvCxnSpPr>
+        <p:spPr>
+          <a:xfrm>
+            <a:off x="4313583" y="3319669"/>
+            <a:ext cx="0" cy="323816"/>
+          </a:xfrm>
+          <a:prstGeom prst="straightConnector1">
+            <a:avLst/>
+          </a:prstGeom>
+          <a:ln w="38100">
+            <a:tailEnd type="triangle"/>
+          </a:ln>
+        </p:spPr>
+        <p:style>
+          <a:lnRef idx="1">
+            <a:schemeClr val="accent1"/>
+          </a:lnRef>
+          <a:fillRef idx="0">
+            <a:schemeClr val="accent1"/>
+          </a:fillRef>
+          <a:effectRef idx="0">
+            <a:schemeClr val="accent1"/>
+          </a:effectRef>
+          <a:fontRef idx="minor">
+            <a:schemeClr val="tx1"/>
+          </a:fontRef>
+        </p:style>
+      </p:cxnSp>
+      <p:cxnSp>
+        <p:nvCxnSpPr>
+          <p:cNvPr id="10" name="Straight Arrow Connector 9">
+            <a:extLst>
+              <a:ext uri="{FF2B5EF4-FFF2-40B4-BE49-F238E27FC236}">
+                <a16:creationId xmlns:a16="http://schemas.microsoft.com/office/drawing/2014/main" id="{55626531-5612-4A2D-A37A-1EE90A8E75E3}"/>
+              </a:ext>
+            </a:extLst>
+          </p:cNvPr>
+          <p:cNvCxnSpPr>
+            <a:stCxn id="5" idx="2"/>
+            <a:endCxn id="6" idx="0"/>
+          </p:cNvCxnSpPr>
+          <p:nvPr/>
+        </p:nvCxnSpPr>
+        <p:spPr>
+          <a:xfrm>
+            <a:off x="4313583" y="4359102"/>
+            <a:ext cx="0" cy="323816"/>
+          </a:xfrm>
+          <a:prstGeom prst="straightConnector1">
+            <a:avLst/>
+          </a:prstGeom>
+          <a:ln w="38100">
+            <a:tailEnd type="triangle"/>
+          </a:ln>
+        </p:spPr>
+        <p:style>
+          <a:lnRef idx="1">
+            <a:schemeClr val="accent1"/>
+          </a:lnRef>
+          <a:fillRef idx="0">
+            <a:schemeClr val="accent1"/>
+          </a:fillRef>
+          <a:effectRef idx="0">
+            <a:schemeClr val="accent1"/>
+          </a:effectRef>
+          <a:fontRef idx="minor">
+            <a:schemeClr val="tx1"/>
+          </a:fontRef>
+        </p:style>
+      </p:cxnSp>
+      <p:cxnSp>
+        <p:nvCxnSpPr>
+          <p:cNvPr id="16" name="Straight Connector 15">
+            <a:extLst>
+              <a:ext uri="{FF2B5EF4-FFF2-40B4-BE49-F238E27FC236}">
+                <a16:creationId xmlns:a16="http://schemas.microsoft.com/office/drawing/2014/main" id="{FFE929C7-F480-43C8-8925-C2F357B0569C}"/>
+              </a:ext>
+            </a:extLst>
+          </p:cNvPr>
+          <p:cNvCxnSpPr>
+            <a:stCxn id="6" idx="1"/>
+          </p:cNvCxnSpPr>
+          <p:nvPr/>
+        </p:nvCxnSpPr>
+        <p:spPr>
+          <a:xfrm flipH="1" flipV="1">
+            <a:off x="2186609" y="5028199"/>
+            <a:ext cx="1053548" cy="1"/>
+          </a:xfrm>
+          <a:prstGeom prst="line">
+            <a:avLst/>
+          </a:prstGeom>
+          <a:ln w="38100"/>
+        </p:spPr>
+        <p:style>
+          <a:lnRef idx="1">
+            <a:schemeClr val="accent1"/>
+          </a:lnRef>
+          <a:fillRef idx="0">
+            <a:schemeClr val="accent1"/>
+          </a:fillRef>
+          <a:effectRef idx="0">
+            <a:schemeClr val="accent1"/>
+          </a:effectRef>
+          <a:fontRef idx="minor">
+            <a:schemeClr val="tx1"/>
+          </a:fontRef>
+        </p:style>
+      </p:cxnSp>
+      <p:cxnSp>
+        <p:nvCxnSpPr>
+          <p:cNvPr id="18" name="Straight Connector 17">
+            <a:extLst>
+              <a:ext uri="{FF2B5EF4-FFF2-40B4-BE49-F238E27FC236}">
+                <a16:creationId xmlns:a16="http://schemas.microsoft.com/office/drawing/2014/main" id="{FB484F86-2D36-4D20-90D3-7315468EBA37}"/>
+              </a:ext>
+            </a:extLst>
+          </p:cNvPr>
+          <p:cNvCxnSpPr/>
+          <p:nvPr/>
+        </p:nvCxnSpPr>
+        <p:spPr>
+          <a:xfrm flipV="1">
+            <a:off x="2196548" y="4001293"/>
+            <a:ext cx="0" cy="1026906"/>
+          </a:xfrm>
+          <a:prstGeom prst="line">
+            <a:avLst/>
+          </a:prstGeom>
+          <a:ln w="38100"/>
+        </p:spPr>
+        <p:style>
+          <a:lnRef idx="1">
+            <a:schemeClr val="accent1"/>
+          </a:lnRef>
+          <a:fillRef idx="0">
+            <a:schemeClr val="accent1"/>
+          </a:fillRef>
+          <a:effectRef idx="0">
+            <a:schemeClr val="accent1"/>
+          </a:effectRef>
+          <a:fontRef idx="minor">
+            <a:schemeClr val="tx1"/>
+          </a:fontRef>
+        </p:style>
+      </p:cxnSp>
+      <p:cxnSp>
+        <p:nvCxnSpPr>
+          <p:cNvPr id="22" name="Straight Arrow Connector 21">
+            <a:extLst>
+              <a:ext uri="{FF2B5EF4-FFF2-40B4-BE49-F238E27FC236}">
+                <a16:creationId xmlns:a16="http://schemas.microsoft.com/office/drawing/2014/main" id="{2B52666D-7DC7-4CB8-8658-46788E12BE40}"/>
+              </a:ext>
+            </a:extLst>
+          </p:cNvPr>
+          <p:cNvCxnSpPr>
+            <a:endCxn id="5" idx="1"/>
+          </p:cNvCxnSpPr>
+          <p:nvPr/>
+        </p:nvCxnSpPr>
+        <p:spPr>
+          <a:xfrm>
+            <a:off x="2196548" y="4001293"/>
+            <a:ext cx="1043609" cy="1"/>
+          </a:xfrm>
+          <a:prstGeom prst="straightConnector1">
+            <a:avLst/>
+          </a:prstGeom>
+          <a:ln w="38100">
+            <a:tailEnd type="triangle"/>
+          </a:ln>
+        </p:spPr>
+        <p:style>
+          <a:lnRef idx="1">
+            <a:schemeClr val="accent1"/>
+          </a:lnRef>
+          <a:fillRef idx="0">
+            <a:schemeClr val="accent1"/>
+          </a:fillRef>
+          <a:effectRef idx="0">
+            <a:schemeClr val="accent1"/>
+          </a:effectRef>
+          <a:fontRef idx="minor">
+            <a:schemeClr val="tx1"/>
+          </a:fontRef>
+        </p:style>
+      </p:cxnSp>
+      <p:sp>
+        <p:nvSpPr>
+          <p:cNvPr id="23" name="Rectangle 22">
+            <a:extLst>
+              <a:ext uri="{FF2B5EF4-FFF2-40B4-BE49-F238E27FC236}">
+                <a16:creationId xmlns:a16="http://schemas.microsoft.com/office/drawing/2014/main" id="{9668AB51-B5E1-47DF-94CA-DE341D853A54}"/>
+              </a:ext>
+            </a:extLst>
+          </p:cNvPr>
+          <p:cNvSpPr/>
+          <p:nvPr/>
+        </p:nvSpPr>
+        <p:spPr>
+          <a:xfrm>
+            <a:off x="6231835" y="4682918"/>
+            <a:ext cx="2057400" cy="690563"/>
+          </a:xfrm>
+          <a:prstGeom prst="rect">
+            <a:avLst/>
+          </a:prstGeom>
+        </p:spPr>
+        <p:style>
+          <a:lnRef idx="2">
+            <a:schemeClr val="accent1">
+              <a:shade val="50000"/>
+            </a:schemeClr>
+          </a:lnRef>
+          <a:fillRef idx="1">
+            <a:schemeClr val="accent1"/>
+          </a:fillRef>
+          <a:effectRef idx="0">
+            <a:schemeClr val="accent1"/>
+          </a:effectRef>
+          <a:fontRef idx="minor">
+            <a:schemeClr val="lt1"/>
+          </a:fontRef>
+        </p:style>
+        <p:txBody>
+          <a:bodyPr rtlCol="0" anchor="ctr"/>
+          <a:lstStyle/>
+          <a:p>
+            <a:pPr algn="ctr"/>
+            <a:r>
+              <a:rPr lang="en-US" dirty="0"/>
+              <a:t>Pick the best!</a:t>
+            </a:r>
+          </a:p>
+        </p:txBody>
+      </p:sp>
+      <p:cxnSp>
+        <p:nvCxnSpPr>
+          <p:cNvPr id="25" name="Straight Arrow Connector 24">
+            <a:extLst>
+              <a:ext uri="{FF2B5EF4-FFF2-40B4-BE49-F238E27FC236}">
+                <a16:creationId xmlns:a16="http://schemas.microsoft.com/office/drawing/2014/main" id="{E9F58BFD-1CF9-46D7-92B5-2BBB892B28BC}"/>
+              </a:ext>
+            </a:extLst>
+          </p:cNvPr>
+          <p:cNvCxnSpPr>
+            <a:stCxn id="6" idx="3"/>
+            <a:endCxn id="23" idx="1"/>
+          </p:cNvCxnSpPr>
+          <p:nvPr/>
+        </p:nvCxnSpPr>
+        <p:spPr>
+          <a:xfrm>
+            <a:off x="5387009" y="5028200"/>
+            <a:ext cx="844826" cy="0"/>
+          </a:xfrm>
+          <a:prstGeom prst="straightConnector1">
+            <a:avLst/>
+          </a:prstGeom>
+          <a:ln w="38100">
+            <a:tailEnd type="triangle"/>
+          </a:ln>
+        </p:spPr>
+        <p:style>
+          <a:lnRef idx="1">
+            <a:schemeClr val="accent1"/>
+          </a:lnRef>
+          <a:fillRef idx="0">
+            <a:schemeClr val="accent1"/>
+          </a:fillRef>
+          <a:effectRef idx="0">
+            <a:schemeClr val="accent1"/>
+          </a:effectRef>
+          <a:fontRef idx="minor">
+            <a:schemeClr val="tx1"/>
+          </a:fontRef>
+        </p:style>
+      </p:cxnSp>
     </p:spTree>
     <p:extLst>
       <p:ext uri="{BB962C8B-B14F-4D97-AF65-F5344CB8AC3E}">
@@ -19767,14 +20220,14 @@
           <p:nvPr>
             <p:extLst>
               <p:ext uri="{D42A27DB-BD31-4B8C-83A1-F6EECF244321}">
-                <p14:modId xmlns:p14="http://schemas.microsoft.com/office/powerpoint/2010/main" val="1498623576"/>
+                <p14:modId xmlns:p14="http://schemas.microsoft.com/office/powerpoint/2010/main" val="3144482408"/>
               </p:ext>
             </p:extLst>
           </p:nvPr>
         </p:nvGraphicFramePr>
         <p:xfrm>
-          <a:off x="395493" y="1458262"/>
-          <a:ext cx="2034209" cy="640080"/>
+          <a:off x="256345" y="1233489"/>
+          <a:ext cx="2034209" cy="914400"/>
         </p:xfrm>
         <a:graphic>
           <a:graphicData uri="http://schemas.openxmlformats.org/drawingml/2006/table">
@@ -19799,7 +20252,7 @@
                     <a:p>
                       <a:r>
                         <a:rPr lang="en-US" dirty="0"/>
-                        <a:t>Can I date someone on this Saturday?</a:t>
+                        <a:t>Can I go with someone on this Saturday?</a:t>
                       </a:r>
                     </a:p>
                   </a:txBody>
@@ -20792,11 +21245,17 @@
           <p:cNvGraphicFramePr>
             <a:graphicFrameLocks noGrp="1"/>
           </p:cNvGraphicFramePr>
-          <p:nvPr/>
+          <p:nvPr>
+            <p:extLst>
+              <p:ext uri="{D42A27DB-BD31-4B8C-83A1-F6EECF244321}">
+                <p14:modId xmlns:p14="http://schemas.microsoft.com/office/powerpoint/2010/main" val="2591697076"/>
+              </p:ext>
+            </p:extLst>
+          </p:nvPr>
         </p:nvGraphicFramePr>
         <p:xfrm>
-          <a:off x="395493" y="1458262"/>
-          <a:ext cx="2034209" cy="640080"/>
+          <a:off x="206650" y="1292723"/>
+          <a:ext cx="2034209" cy="914400"/>
         </p:xfrm>
         <a:graphic>
           <a:graphicData uri="http://schemas.openxmlformats.org/drawingml/2006/table">
@@ -20821,7 +21280,7 @@
                     <a:p>
                       <a:r>
                         <a:rPr lang="en-US" dirty="0"/>
-                        <a:t>Can I date someone on this Saturday?</a:t>
+                        <a:t>Can I go with someone on this Saturday?</a:t>
                       </a:r>
                     </a:p>
                   </a:txBody>
@@ -21670,21 +22129,27 @@
       </p:graphicFrame>
       <p:graphicFrame>
         <p:nvGraphicFramePr>
-          <p:cNvPr id="30" name="Table 29">
+          <p:cNvPr id="15" name="Table 14">
             <a:extLst>
               <a:ext uri="{FF2B5EF4-FFF2-40B4-BE49-F238E27FC236}">
-                <a16:creationId xmlns:a16="http://schemas.microsoft.com/office/drawing/2014/main" id="{D32658BD-687B-4566-A012-6ED1064545F8}"/>
+                <a16:creationId xmlns:a16="http://schemas.microsoft.com/office/drawing/2014/main" id="{BCE5E26E-BF49-41DC-AD12-43C9864197F7}"/>
               </a:ext>
             </a:extLst>
           </p:cNvPr>
           <p:cNvGraphicFramePr>
             <a:graphicFrameLocks noGrp="1"/>
           </p:cNvGraphicFramePr>
-          <p:nvPr/>
+          <p:nvPr>
+            <p:extLst>
+              <p:ext uri="{D42A27DB-BD31-4B8C-83A1-F6EECF244321}">
+                <p14:modId xmlns:p14="http://schemas.microsoft.com/office/powerpoint/2010/main" val="3295481499"/>
+              </p:ext>
+            </p:extLst>
+          </p:nvPr>
         </p:nvGraphicFramePr>
         <p:xfrm>
-          <a:off x="395493" y="1458262"/>
-          <a:ext cx="2034209" cy="640080"/>
+          <a:off x="206650" y="1292723"/>
+          <a:ext cx="2034209" cy="914400"/>
         </p:xfrm>
         <a:graphic>
           <a:graphicData uri="http://schemas.openxmlformats.org/drawingml/2006/table">
@@ -21709,7 +22174,7 @@
                     <a:p>
                       <a:r>
                         <a:rPr lang="en-US" dirty="0"/>
-                        <a:t>Can I date someone on this Saturday?</a:t>
+                        <a:t>Can I go with someone on this Saturday?</a:t>
                       </a:r>
                     </a:p>
                   </a:txBody>
@@ -22558,21 +23023,27 @@
       </p:graphicFrame>
       <p:graphicFrame>
         <p:nvGraphicFramePr>
-          <p:cNvPr id="30" name="Table 29">
+          <p:cNvPr id="15" name="Table 14">
             <a:extLst>
               <a:ext uri="{FF2B5EF4-FFF2-40B4-BE49-F238E27FC236}">
-                <a16:creationId xmlns:a16="http://schemas.microsoft.com/office/drawing/2014/main" id="{D32658BD-687B-4566-A012-6ED1064545F8}"/>
+                <a16:creationId xmlns:a16="http://schemas.microsoft.com/office/drawing/2014/main" id="{52692ECE-A05B-4198-B13E-76BDCE8A821D}"/>
               </a:ext>
             </a:extLst>
           </p:cNvPr>
           <p:cNvGraphicFramePr>
             <a:graphicFrameLocks noGrp="1"/>
           </p:cNvGraphicFramePr>
-          <p:nvPr/>
+          <p:nvPr>
+            <p:extLst>
+              <p:ext uri="{D42A27DB-BD31-4B8C-83A1-F6EECF244321}">
+                <p14:modId xmlns:p14="http://schemas.microsoft.com/office/powerpoint/2010/main" val="2964513287"/>
+              </p:ext>
+            </p:extLst>
+          </p:nvPr>
         </p:nvGraphicFramePr>
         <p:xfrm>
-          <a:off x="395493" y="1458262"/>
-          <a:ext cx="2034209" cy="640080"/>
+          <a:off x="206650" y="1292723"/>
+          <a:ext cx="2034209" cy="914400"/>
         </p:xfrm>
         <a:graphic>
           <a:graphicData uri="http://schemas.openxmlformats.org/drawingml/2006/table">
@@ -22597,7 +23068,7 @@
                     <a:p>
                       <a:r>
                         <a:rPr lang="en-US" dirty="0"/>
-                        <a:t>Can I date someone on this Saturday?</a:t>
+                        <a:t>Can I go with someone on this Saturday?</a:t>
                       </a:r>
                     </a:p>
                   </a:txBody>

--- a/week2/PLA.pptx
+++ b/week2/PLA.pptx
@@ -4475,7 +4475,7 @@
           <a:p>
             <a:r>
               <a:rPr lang="en-US" dirty="0"/>
-              <a:t>Perceptron</a:t>
+              <a:t>Perceptron(1951)</a:t>
             </a:r>
           </a:p>
         </p:txBody>
@@ -8038,8 +8038,8 @@
           </a:p>
         </p:txBody>
       </p:sp>
-      <mc:AlternateContent xmlns:mc="http://schemas.openxmlformats.org/markup-compatibility/2006" xmlns:a14="http://schemas.microsoft.com/office/drawing/2010/main">
-        <mc:Choice Requires="a14">
+      <mc:AlternateContent xmlns:mc="http://schemas.openxmlformats.org/markup-compatibility/2006">
+        <mc:Choice xmlns:a14="http://schemas.microsoft.com/office/drawing/2010/main" Requires="a14">
           <p:sp>
             <p:nvSpPr>
               <p:cNvPr id="4" name="Content Placeholder 3">
@@ -8058,8 +8058,8 @@
             </p:nvSpPr>
             <p:spPr>
               <a:xfrm>
-                <a:off x="628650" y="1825625"/>
-                <a:ext cx="7886700" cy="2000548"/>
+                <a:off x="622765" y="1588185"/>
+                <a:ext cx="7886700" cy="2502223"/>
               </a:xfrm>
               <a:prstGeom prst="rect">
                 <a:avLst/>
@@ -8071,6 +8071,20 @@
                 <a:spAutoFit/>
               </a:bodyPr>
               <a:lstStyle/>
+              <a:p>
+                <a:r>
+                  <a:rPr lang="en-US" sz="2800" dirty="0">
+                    <a:latin typeface="Cambria Math" panose="02040503050406030204" pitchFamily="18" charset="0"/>
+                  </a:rPr>
+                  <a:t>Start from a random </a:t>
+                </a:r>
+                <a:r>
+                  <a:rPr lang="en-US" sz="2800" b="1" dirty="0">
+                    <a:latin typeface="Cambria Math" panose="02040503050406030204" pitchFamily="18" charset="0"/>
+                  </a:rPr>
+                  <a:t>w</a:t>
+                </a:r>
+              </a:p>
               <a:p>
                 <a14:m>
                   <m:oMath xmlns:m="http://schemas.openxmlformats.org/officeDocument/2006/math">
@@ -8404,7 +8418,7 @@
             </p:txBody>
           </p:sp>
         </mc:Choice>
-        <mc:Fallback xmlns="">
+        <mc:Fallback>
           <p:sp>
             <p:nvSpPr>
               <p:cNvPr id="4" name="Content Placeholder 3">
@@ -8423,8 +8437,8 @@
             </p:nvSpPr>
             <p:spPr>
               <a:xfrm>
-                <a:off x="628650" y="1825625"/>
-                <a:ext cx="7886700" cy="2000548"/>
+                <a:off x="622765" y="1588185"/>
+                <a:ext cx="7886700" cy="2502223"/>
               </a:xfrm>
               <a:prstGeom prst="rect">
                 <a:avLst/>
@@ -8432,7 +8446,7 @@
               <a:blipFill>
                 <a:blip r:embed="rId2"/>
                 <a:stretch>
-                  <a:fillRect l="-2550" b="-9119"/>
+                  <a:fillRect l="-2550" t="-6098" b="-7805"/>
                 </a:stretch>
               </a:blipFill>
             </p:spPr>
@@ -11544,7 +11558,7 @@
           <a:graphicData uri="http://schemas.openxmlformats.org/presentationml/2006/ole">
             <mc:AlternateContent xmlns:mc="http://schemas.openxmlformats.org/markup-compatibility/2006">
               <mc:Choice xmlns:v="urn:schemas-microsoft-com:vml" Requires="v">
-                <p:oleObj spid="_x0000_s1040" name="Graph" r:id="rId3" imgW="4023360" imgH="3108960" progId="Origin50.Graph">
+                <p:oleObj spid="_x0000_s1042" name="Graph" r:id="rId3" imgW="4023360" imgH="3108960" progId="Origin50.Graph">
                   <p:embed/>
                 </p:oleObj>
               </mc:Choice>
@@ -12397,7 +12411,7 @@
           <a:graphicData uri="http://schemas.openxmlformats.org/presentationml/2006/ole">
             <mc:AlternateContent xmlns:mc="http://schemas.openxmlformats.org/markup-compatibility/2006">
               <mc:Choice xmlns:v="urn:schemas-microsoft-com:vml" Requires="v">
-                <p:oleObj spid="_x0000_s2063" name="Graph" r:id="rId4" imgW="4023360" imgH="3108960" progId="Origin50.Graph">
+                <p:oleObj spid="_x0000_s2065" name="Graph" r:id="rId4" imgW="4023360" imgH="3108960" progId="Origin50.Graph">
                   <p:embed/>
                 </p:oleObj>
               </mc:Choice>
@@ -12930,7 +12944,7 @@
             </a:pPr>
             <a:r>
               <a:rPr lang="en-US" dirty="0"/>
-              <a:t>for linear separable data</a:t>
+              <a:t>for linearly separable data(strict boundary)</a:t>
             </a:r>
           </a:p>
           <a:p>
@@ -12960,7 +12974,7 @@
             </a:pPr>
             <a:r>
               <a:rPr lang="en-US" dirty="0"/>
-              <a:t>        - Why PLA works</a:t>
+              <a:t>        - Derive why PLA works</a:t>
             </a:r>
           </a:p>
           <a:p>
@@ -12969,7 +12983,7 @@
             </a:pPr>
             <a:r>
               <a:rPr lang="en-US" dirty="0"/>
-              <a:t>        - Pocket PLA</a:t>
+              <a:t>        - Introduce pocket PLA</a:t>
             </a:r>
           </a:p>
           <a:p>
@@ -13035,7 +13049,7 @@
           <a:graphicData uri="http://schemas.openxmlformats.org/presentationml/2006/ole">
             <mc:AlternateContent xmlns:mc="http://schemas.openxmlformats.org/markup-compatibility/2006">
               <mc:Choice xmlns:v="urn:schemas-microsoft-com:vml" Requires="v">
-                <p:oleObj spid="_x0000_s3087" name="Graph" r:id="rId3" imgW="4023360" imgH="3108960" progId="Origin50.Graph">
+                <p:oleObj spid="_x0000_s3089" name="Graph" r:id="rId3" imgW="4023360" imgH="3108960" progId="Origin50.Graph">
                   <p:embed/>
                 </p:oleObj>
               </mc:Choice>
@@ -13869,7 +13883,7 @@
           <a:graphicData uri="http://schemas.openxmlformats.org/presentationml/2006/ole">
             <mc:AlternateContent xmlns:mc="http://schemas.openxmlformats.org/markup-compatibility/2006">
               <mc:Choice xmlns:v="urn:schemas-microsoft-com:vml" Requires="v">
-                <p:oleObj spid="_x0000_s4111" name="Graph" r:id="rId3" imgW="4023360" imgH="3108960" progId="Origin50.Graph">
+                <p:oleObj spid="_x0000_s4113" name="Graph" r:id="rId3" imgW="4023360" imgH="3108960" progId="Origin50.Graph">
                   <p:embed/>
                 </p:oleObj>
               </mc:Choice>
@@ -14697,7 +14711,7 @@
           <a:graphicData uri="http://schemas.openxmlformats.org/presentationml/2006/ole">
             <mc:AlternateContent xmlns:mc="http://schemas.openxmlformats.org/markup-compatibility/2006">
               <mc:Choice xmlns:v="urn:schemas-microsoft-com:vml" Requires="v">
-                <p:oleObj spid="_x0000_s5135" name="Graph" r:id="rId3" imgW="4023360" imgH="3108960" progId="Origin50.Graph">
+                <p:oleObj spid="_x0000_s5137" name="Graph" r:id="rId3" imgW="4023360" imgH="3108960" progId="Origin50.Graph">
                   <p:embed/>
                 </p:oleObj>
               </mc:Choice>
@@ -16278,8 +16292,8 @@
           </a:p>
         </p:txBody>
       </p:sp>
-      <mc:AlternateContent xmlns:mc="http://schemas.openxmlformats.org/markup-compatibility/2006" xmlns:a14="http://schemas.microsoft.com/office/drawing/2010/main">
-        <mc:Choice Requires="a14">
+      <mc:AlternateContent xmlns:mc="http://schemas.openxmlformats.org/markup-compatibility/2006">
+        <mc:Choice xmlns:a14="http://schemas.microsoft.com/office/drawing/2010/main" Requires="a14">
           <p:sp>
             <p:nvSpPr>
               <p:cNvPr id="4" name="TextBox 3">
@@ -16898,18 +16912,18 @@
                                       </m:sSubPr>
                                       <m:e>
                                         <m:r>
-                                          <a:rPr lang="en-US" sz="2600" b="1">
+                                          <a:rPr lang="en-US" sz="2600" b="1" i="1" smtClean="0">
                                             <a:latin typeface="Cambria Math" panose="02040503050406030204" pitchFamily="18" charset="0"/>
                                           </a:rPr>
-                                          <m:t>𝐰</m:t>
+                                          <m:t>𝒙</m:t>
                                         </m:r>
                                       </m:e>
                                       <m:sub>
                                         <m:r>
-                                          <a:rPr lang="en-US" sz="2600" b="1">
+                                          <a:rPr lang="en-US" sz="2600" b="1" i="1" smtClean="0">
                                             <a:latin typeface="Cambria Math" panose="02040503050406030204" pitchFamily="18" charset="0"/>
                                           </a:rPr>
-                                          <m:t>𝐭</m:t>
+                                          <m:t>𝒏</m:t>
                                         </m:r>
                                       </m:sub>
                                     </m:sSub>
@@ -17158,7 +17172,7 @@
             </p:txBody>
           </p:sp>
         </mc:Choice>
-        <mc:Fallback xmlns="">
+        <mc:Fallback>
           <p:sp>
             <p:nvSpPr>
               <p:cNvPr id="4" name="TextBox 3">
@@ -18706,7 +18720,7 @@
           <a:graphicData uri="http://schemas.openxmlformats.org/presentationml/2006/ole">
             <mc:AlternateContent xmlns:mc="http://schemas.openxmlformats.org/markup-compatibility/2006">
               <mc:Choice xmlns:v="urn:schemas-microsoft-com:vml" Requires="v">
-                <p:oleObj spid="_x0000_s7175" name="Graph" r:id="rId3" imgW="4023360" imgH="3108960" progId="Origin50.Graph">
+                <p:oleObj spid="_x0000_s7177" name="Graph" r:id="rId3" imgW="4023360" imgH="3108960" progId="Origin50.Graph">
                   <p:embed/>
                 </p:oleObj>
               </mc:Choice>
@@ -20344,7 +20358,9 @@
         </p:nvSpPr>
         <p:spPr/>
         <p:txBody>
-          <a:bodyPr/>
+          <a:bodyPr>
+            <a:normAutofit lnSpcReduction="10000"/>
+          </a:bodyPr>
           <a:lstStyle/>
           <a:p>
             <a:r>
@@ -20398,6 +20414,15 @@
             <a:r>
               <a:rPr lang="en-US" dirty="0"/>
               <a:t>          - she/he must agree to go(most important!)</a:t>
+            </a:r>
+          </a:p>
+          <a:p>
+            <a:pPr marL="0" indent="0">
+              <a:buNone/>
+            </a:pPr>
+            <a:r>
+              <a:rPr lang="en-US" dirty="0"/>
+              <a:t>          - I KNOW THE RESULT OF MY PREVIOUS EXPERIENCE!</a:t>
             </a:r>
           </a:p>
         </p:txBody>
